--- a/C++ STRING –.pptx
+++ b/C++ STRING –.pptx
@@ -300,7 +300,7 @@
           <a:p>
             <a:fld id="{FC218F05-8B0E-4DEC-9043-AAB65E538196}" type="datetimeFigureOut">
               <a:rPr lang="en-GB" smtClean="0"/>
-              <a:t>11/06/2020</a:t>
+              <a:t>12/06/2020</a:t>
             </a:fld>
             <a:endParaRPr lang="en-GB"/>
           </a:p>
@@ -447,7 +447,7 @@
   </p:clrMapOvr>
   <p:extLst>
     <p:ext uri="{DCECCB84-F9BA-43D5-87BE-67443E8EF086}">
-      <p15:sldGuideLst xmlns:p15="http://schemas.microsoft.com/office/powerpoint/2012/main"/>
+      <p15:sldGuideLst xmlns:p15="http://schemas.microsoft.com/office/powerpoint/2012/main" xmlns=""/>
     </p:ext>
   </p:extLst>
 </p:sldLayout>
@@ -643,7 +643,7 @@
           <a:p>
             <a:fld id="{FC218F05-8B0E-4DEC-9043-AAB65E538196}" type="datetimeFigureOut">
               <a:rPr lang="en-GB" smtClean="0"/>
-              <a:t>11/06/2020</a:t>
+              <a:t>12/06/2020</a:t>
             </a:fld>
             <a:endParaRPr lang="en-GB"/>
           </a:p>
@@ -1044,7 +1044,7 @@
           <a:p>
             <a:fld id="{FC218F05-8B0E-4DEC-9043-AAB65E538196}" type="datetimeFigureOut">
               <a:rPr lang="en-GB" smtClean="0"/>
-              <a:t>11/06/2020</a:t>
+              <a:t>12/06/2020</a:t>
             </a:fld>
             <a:endParaRPr lang="en-GB"/>
           </a:p>
@@ -1380,7 +1380,7 @@
           <a:p>
             <a:fld id="{FC218F05-8B0E-4DEC-9043-AAB65E538196}" type="datetimeFigureOut">
               <a:rPr lang="en-GB" smtClean="0"/>
-              <a:t>11/06/2020</a:t>
+              <a:t>12/06/2020</a:t>
             </a:fld>
             <a:endParaRPr lang="en-GB"/>
           </a:p>
@@ -1700,7 +1700,7 @@
           <a:p>
             <a:fld id="{FC218F05-8B0E-4DEC-9043-AAB65E538196}" type="datetimeFigureOut">
               <a:rPr lang="en-GB" smtClean="0"/>
-              <a:t>11/06/2020</a:t>
+              <a:t>12/06/2020</a:t>
             </a:fld>
             <a:endParaRPr lang="en-GB"/>
           </a:p>
@@ -2096,7 +2096,7 @@
           <a:p>
             <a:fld id="{FC218F05-8B0E-4DEC-9043-AAB65E538196}" type="datetimeFigureOut">
               <a:rPr lang="en-GB" smtClean="0"/>
-              <a:t>11/06/2020</a:t>
+              <a:t>12/06/2020</a:t>
             </a:fld>
             <a:endParaRPr lang="en-GB"/>
           </a:p>
@@ -2353,7 +2353,7 @@
           <a:p>
             <a:fld id="{FC218F05-8B0E-4DEC-9043-AAB65E538196}" type="datetimeFigureOut">
               <a:rPr lang="en-GB" smtClean="0"/>
-              <a:t>11/06/2020</a:t>
+              <a:t>12/06/2020</a:t>
             </a:fld>
             <a:endParaRPr lang="en-GB"/>
           </a:p>
@@ -2615,7 +2615,7 @@
           <a:p>
             <a:fld id="{FC218F05-8B0E-4DEC-9043-AAB65E538196}" type="datetimeFigureOut">
               <a:rPr lang="en-GB" smtClean="0"/>
-              <a:t>11/06/2020</a:t>
+              <a:t>12/06/2020</a:t>
             </a:fld>
             <a:endParaRPr lang="en-GB"/>
           </a:p>
@@ -2877,7 +2877,7 @@
           <a:p>
             <a:fld id="{FC218F05-8B0E-4DEC-9043-AAB65E538196}" type="datetimeFigureOut">
               <a:rPr lang="en-GB" smtClean="0"/>
-              <a:t>11/06/2020</a:t>
+              <a:t>12/06/2020</a:t>
             </a:fld>
             <a:endParaRPr lang="en-GB"/>
           </a:p>
@@ -3206,7 +3206,7 @@
           <a:p>
             <a:fld id="{FC218F05-8B0E-4DEC-9043-AAB65E538196}" type="datetimeFigureOut">
               <a:rPr lang="en-GB" smtClean="0"/>
-              <a:t>11/06/2020</a:t>
+              <a:t>12/06/2020</a:t>
             </a:fld>
             <a:endParaRPr lang="en-GB"/>
           </a:p>
@@ -3529,7 +3529,7 @@
           <a:p>
             <a:fld id="{FC218F05-8B0E-4DEC-9043-AAB65E538196}" type="datetimeFigureOut">
               <a:rPr lang="en-GB" smtClean="0"/>
-              <a:t>11/06/2020</a:t>
+              <a:t>12/06/2020</a:t>
             </a:fld>
             <a:endParaRPr lang="en-GB"/>
           </a:p>
@@ -3676,7 +3676,7 @@
   </p:clrMapOvr>
   <p:extLst>
     <p:ext uri="{DCECCB84-F9BA-43D5-87BE-67443E8EF086}">
-      <p15:sldGuideLst xmlns:p15="http://schemas.microsoft.com/office/powerpoint/2012/main"/>
+      <p15:sldGuideLst xmlns:p15="http://schemas.microsoft.com/office/powerpoint/2012/main" xmlns=""/>
     </p:ext>
   </p:extLst>
 </p:sldLayout>
@@ -3991,7 +3991,7 @@
           <a:p>
             <a:fld id="{FC218F05-8B0E-4DEC-9043-AAB65E538196}" type="datetimeFigureOut">
               <a:rPr lang="en-GB" smtClean="0"/>
-              <a:t>11/06/2020</a:t>
+              <a:t>12/06/2020</a:t>
             </a:fld>
             <a:endParaRPr lang="en-GB"/>
           </a:p>
@@ -4138,7 +4138,7 @@
   </p:clrMapOvr>
   <p:extLst>
     <p:ext uri="{DCECCB84-F9BA-43D5-87BE-67443E8EF086}">
-      <p15:sldGuideLst xmlns:p15="http://schemas.microsoft.com/office/powerpoint/2012/main"/>
+      <p15:sldGuideLst xmlns:p15="http://schemas.microsoft.com/office/powerpoint/2012/main" xmlns=""/>
     </p:ext>
   </p:extLst>
 </p:sldLayout>
@@ -4201,7 +4201,7 @@
           <a:p>
             <a:fld id="{FC218F05-8B0E-4DEC-9043-AAB65E538196}" type="datetimeFigureOut">
               <a:rPr lang="en-GB" smtClean="0"/>
-              <a:t>11/06/2020</a:t>
+              <a:t>12/06/2020</a:t>
             </a:fld>
             <a:endParaRPr lang="en-GB"/>
           </a:p>
@@ -4378,7 +4378,7 @@
           <a:p>
             <a:fld id="{FC218F05-8B0E-4DEC-9043-AAB65E538196}" type="datetimeFigureOut">
               <a:rPr lang="en-GB" smtClean="0"/>
-              <a:t>11/06/2020</a:t>
+              <a:t>12/06/2020</a:t>
             </a:fld>
             <a:endParaRPr lang="en-GB"/>
           </a:p>
@@ -4520,7 +4520,7 @@
   </p:clrMapOvr>
   <p:extLst>
     <p:ext uri="{DCECCB84-F9BA-43D5-87BE-67443E8EF086}">
-      <p15:sldGuideLst xmlns:p15="http://schemas.microsoft.com/office/powerpoint/2012/main"/>
+      <p15:sldGuideLst xmlns:p15="http://schemas.microsoft.com/office/powerpoint/2012/main" xmlns=""/>
     </p:ext>
   </p:extLst>
 </p:sldLayout>
@@ -4716,7 +4716,7 @@
           <a:p>
             <a:fld id="{FC218F05-8B0E-4DEC-9043-AAB65E538196}" type="datetimeFigureOut">
               <a:rPr lang="en-GB" smtClean="0"/>
-              <a:t>11/06/2020</a:t>
+              <a:t>12/06/2020</a:t>
             </a:fld>
             <a:endParaRPr lang="en-GB"/>
           </a:p>
@@ -4858,7 +4858,7 @@
   </p:clrMapOvr>
   <p:extLst>
     <p:ext uri="{DCECCB84-F9BA-43D5-87BE-67443E8EF086}">
-      <p15:sldGuideLst xmlns:p15="http://schemas.microsoft.com/office/powerpoint/2012/main"/>
+      <p15:sldGuideLst xmlns:p15="http://schemas.microsoft.com/office/powerpoint/2012/main" xmlns=""/>
     </p:ext>
   </p:extLst>
 </p:sldLayout>
@@ -5066,7 +5066,7 @@
           <a:p>
             <a:fld id="{FC218F05-8B0E-4DEC-9043-AAB65E538196}" type="datetimeFigureOut">
               <a:rPr lang="en-GB" smtClean="0"/>
-              <a:t>11/06/2020</a:t>
+              <a:t>12/06/2020</a:t>
             </a:fld>
             <a:endParaRPr lang="en-GB"/>
           </a:p>
@@ -7120,7 +7120,7 @@
           <a:p>
             <a:fld id="{FC218F05-8B0E-4DEC-9043-AAB65E538196}" type="datetimeFigureOut">
               <a:rPr lang="en-GB" smtClean="0"/>
-              <a:t>11/06/2020</a:t>
+              <a:t>12/06/2020</a:t>
             </a:fld>
             <a:endParaRPr lang="en-GB"/>
           </a:p>
@@ -7620,7 +7620,7 @@
   </p:txStyles>
   <p:extLst>
     <p:ext uri="{27BBF7A9-308A-43DC-89C8-2F10F3537804}">
-      <p15:sldGuideLst xmlns:p15="http://schemas.microsoft.com/office/powerpoint/2012/main"/>
+      <p15:sldGuideLst xmlns:p15="http://schemas.microsoft.com/office/powerpoint/2012/main" xmlns=""/>
     </p:ext>
   </p:extLst>
 </p:sldMaster>
@@ -7700,7 +7700,7 @@
           <a:bodyPr/>
           <a:lstStyle/>
           <a:p>
-            <a:endParaRPr lang="en-GB"/>
+            <a:endParaRPr lang="en-GB" dirty="0"/>
           </a:p>
         </p:txBody>
       </p:sp>
@@ -8182,7 +8182,14 @@
                 <a:latin typeface="Times New Roman" panose="02020603050405020304" pitchFamily="18" charset="0"/>
                 <a:cs typeface="Times New Roman" panose="02020603050405020304" pitchFamily="18" charset="0"/>
               </a:rPr>
-              <a:t>of our project.</a:t>
+              <a:t>of our </a:t>
+            </a:r>
+            <a:r>
+              <a:rPr lang="en-GB" sz="4000" dirty="0" smtClean="0">
+                <a:latin typeface="Times New Roman" panose="02020603050405020304" pitchFamily="18" charset="0"/>
+                <a:cs typeface="Times New Roman" panose="02020603050405020304" pitchFamily="18" charset="0"/>
+              </a:rPr>
+              <a:t>program.</a:t>
             </a:r>
             <a:endParaRPr lang="en-GB" sz="4000" dirty="0">
               <a:latin typeface="Times New Roman" panose="02020603050405020304" pitchFamily="18" charset="0"/>
@@ -8384,14 +8391,7 @@
                 <a:latin typeface="Times New Roman" panose="02020603050405020304" pitchFamily="18" charset="0"/>
                 <a:cs typeface="Times New Roman" panose="02020603050405020304" pitchFamily="18" charset="0"/>
               </a:rPr>
-              <a:t>Used programming language and </a:t>
-            </a:r>
-            <a:r>
-              <a:rPr lang="en-US" sz="4000" dirty="0">
-                <a:latin typeface="Times New Roman" panose="02020603050405020304" pitchFamily="18" charset="0"/>
-                <a:cs typeface="Times New Roman" panose="02020603050405020304" pitchFamily="18" charset="0"/>
-              </a:rPr>
-              <a:t>programs:</a:t>
+              <a:t>Used programming language and programs:</a:t>
             </a:r>
             <a:endParaRPr lang="en-GB" sz="4000" dirty="0">
               <a:latin typeface="Times New Roman" panose="02020603050405020304" pitchFamily="18" charset="0"/>
@@ -8405,7 +8405,7 @@
           <p:cNvPr id="4" name="Picture 6" descr="A close up of a logo&#10;&#10;Description generated with very high confidence">
             <a:extLst>
               <a:ext uri="{FF2B5EF4-FFF2-40B4-BE49-F238E27FC236}">
-                <a16:creationId xmlns:a16="http://schemas.microsoft.com/office/drawing/2014/main" id="{C3BAEC84-D752-4E3B-9C03-8B35BFC0A28B}"/>
+                <a16:creationId xmlns:a16="http://schemas.microsoft.com/office/drawing/2014/main" xmlns="" id="{C3BAEC84-D752-4E3B-9C03-8B35BFC0A28B}"/>
               </a:ext>
             </a:extLst>
           </p:cNvPr>
@@ -8444,7 +8444,7 @@
           <p:cNvPr id="5" name="Picture 8" descr="A close up of a sign&#10;&#10;Description generated with very high confidence">
             <a:extLst>
               <a:ext uri="{FF2B5EF4-FFF2-40B4-BE49-F238E27FC236}">
-                <a16:creationId xmlns:a16="http://schemas.microsoft.com/office/drawing/2014/main" id="{45E9EDB8-BADD-4986-9BBB-4E6DFF255B68}"/>
+                <a16:creationId xmlns:a16="http://schemas.microsoft.com/office/drawing/2014/main" xmlns="" id="{45E9EDB8-BADD-4986-9BBB-4E6DFF255B68}"/>
               </a:ext>
             </a:extLst>
           </p:cNvPr>
@@ -8481,7 +8481,7 @@
           <p:cNvPr id="6" name="Picture 10" descr="A close up of a logo&#10;&#10;Description generated with very high confidence">
             <a:extLst>
               <a:ext uri="{FF2B5EF4-FFF2-40B4-BE49-F238E27FC236}">
-                <a16:creationId xmlns:a16="http://schemas.microsoft.com/office/drawing/2014/main" id="{C264D067-8A19-47CA-9B86-D4FBE3B80C89}"/>
+                <a16:creationId xmlns:a16="http://schemas.microsoft.com/office/drawing/2014/main" xmlns="" id="{C264D067-8A19-47CA-9B86-D4FBE3B80C89}"/>
               </a:ext>
             </a:extLst>
           </p:cNvPr>
@@ -8559,7 +8559,7 @@
           <p:cNvPr id="8" name="Text Placeholder 3">
             <a:extLst>
               <a:ext uri="{FF2B5EF4-FFF2-40B4-BE49-F238E27FC236}">
-                <a16:creationId xmlns:a16="http://schemas.microsoft.com/office/drawing/2014/main" id="{C371EE09-2B19-4014-9AE9-C937E06541F6}"/>
+                <a16:creationId xmlns:a16="http://schemas.microsoft.com/office/drawing/2014/main" xmlns="" id="{C371EE09-2B19-4014-9AE9-C937E06541F6}"/>
               </a:ext>
             </a:extLst>
           </p:cNvPr>
@@ -9248,7 +9248,21 @@
                 <a:latin typeface="Times New Roman" panose="02020603050405020304" pitchFamily="18" charset="0"/>
                 <a:cs typeface="Times New Roman" panose="02020603050405020304" pitchFamily="18" charset="0"/>
               </a:rPr>
-              <a:t>Thanks for our attention</a:t>
+              <a:t>Thanks for </a:t>
+            </a:r>
+            <a:r>
+              <a:rPr lang="en-GB" sz="3600" dirty="0" smtClean="0">
+                <a:latin typeface="Times New Roman" panose="02020603050405020304" pitchFamily="18" charset="0"/>
+                <a:cs typeface="Times New Roman" panose="02020603050405020304" pitchFamily="18" charset="0"/>
+              </a:rPr>
+              <a:t>the </a:t>
+            </a:r>
+            <a:r>
+              <a:rPr lang="en-GB" sz="3600" dirty="0">
+                <a:latin typeface="Times New Roman" panose="02020603050405020304" pitchFamily="18" charset="0"/>
+                <a:cs typeface="Times New Roman" panose="02020603050405020304" pitchFamily="18" charset="0"/>
+              </a:rPr>
+              <a:t>attention</a:t>
             </a:r>
             <a:r>
               <a:rPr lang="en-GB" sz="3600" dirty="0" smtClean="0">
@@ -9358,7 +9372,7 @@
     </a:clrScheme>
     <a:fontScheme name="Wisp">
       <a:majorFont>
-        <a:latin typeface="Century Gothic" panose="020B0502020202020204"/>
+        <a:latin typeface="Century Gothic"/>
         <a:ea typeface=""/>
         <a:cs typeface=""/>
         <a:font script="Jpan" typeface="メイリオ"/>
@@ -9393,7 +9407,7 @@
         <a:font script="Geor" typeface="Sylfaen"/>
       </a:majorFont>
       <a:minorFont>
-        <a:latin typeface="Century Gothic" panose="020B0502020202020204"/>
+        <a:latin typeface="Century Gothic"/>
         <a:ea typeface=""/>
         <a:cs typeface=""/>
         <a:font script="Jpan" typeface="メイリオ"/>
@@ -9552,7 +9566,7 @@
   <a:extraClrSchemeLst/>
   <a:extLst>
     <a:ext uri="{05A4C25C-085E-4340-85A3-A5531E510DB2}">
-      <thm15:themeFamily xmlns:thm15="http://schemas.microsoft.com/office/thememl/2012/main" name="Wisp" id="{7CB32D59-10C0-40DD-B7BD-2E94284A981C}" vid="{F20B7C8E-B819-43F3-AAF9-EE50B1A83630}"/>
+      <thm15:themeFamily xmlns:thm15="http://schemas.microsoft.com/office/thememl/2012/main" xmlns="" name="Wisp" id="{7CB32D59-10C0-40DD-B7BD-2E94284A981C}" vid="{F20B7C8E-B819-43F3-AAF9-EE50B1A83630}"/>
     </a:ext>
   </a:extLst>
 </a:theme>
